--- a/ppt 16-9/0228.纪念恩主.pptx
+++ b/ppt 16-9/0228.纪念恩主.pptx
@@ -5,7 +5,7 @@
     <p:sldMasterId id="2147483648" r:id="rId1"/>
   </p:sldMasterIdLst>
   <p:sldIdLst>
-    <p:sldId id="3050" r:id="rId2"/>
+    <p:sldId id="3052" r:id="rId2"/>
   </p:sldIdLst>
   <p:sldSz cx="12192000" cy="6858000"/>
   <p:notesSz cx="6858000" cy="9144000"/>
@@ -129,7 +129,7 @@
           <p:cNvPr id="2" name="标题 1">
             <a:extLst>
               <a:ext uri="{FF2B5EF4-FFF2-40B4-BE49-F238E27FC236}">
-                <a16:creationId xmlns:a16="http://schemas.microsoft.com/office/drawing/2014/main" id="{4DFE892A-892F-4450-145E-D060C9A20EBD}"/>
+                <a16:creationId xmlns:a16="http://schemas.microsoft.com/office/drawing/2014/main" id="{D1A37E30-2838-C5CC-680F-89AA6671F095}"/>
               </a:ext>
             </a:extLst>
           </p:cNvPr>
@@ -166,7 +166,7 @@
           <p:cNvPr id="3" name="副标题 2">
             <a:extLst>
               <a:ext uri="{FF2B5EF4-FFF2-40B4-BE49-F238E27FC236}">
-                <a16:creationId xmlns:a16="http://schemas.microsoft.com/office/drawing/2014/main" id="{5D7CE517-7C7D-6CA9-2B60-071A634E0DA4}"/>
+                <a16:creationId xmlns:a16="http://schemas.microsoft.com/office/drawing/2014/main" id="{763CCAAC-3FB2-0C6F-DF5A-EB35E3547495}"/>
               </a:ext>
             </a:extLst>
           </p:cNvPr>
@@ -236,7 +236,7 @@
           <p:cNvPr id="4" name="日期占位符 3">
             <a:extLst>
               <a:ext uri="{FF2B5EF4-FFF2-40B4-BE49-F238E27FC236}">
-                <a16:creationId xmlns:a16="http://schemas.microsoft.com/office/drawing/2014/main" id="{BCDDE2D8-CC71-22EA-776E-FD851EA3FE6B}"/>
+                <a16:creationId xmlns:a16="http://schemas.microsoft.com/office/drawing/2014/main" id="{4A3E5E1A-92B0-65B5-C0E5-29363B888063}"/>
               </a:ext>
             </a:extLst>
           </p:cNvPr>
@@ -252,7 +252,7 @@
           <a:bodyPr/>
           <a:lstStyle/>
           <a:p>
-            <a:fld id="{56A6686D-F15F-47D6-B9B6-FA349A052D9D}" type="datetimeFigureOut">
+            <a:fld id="{C5F669AE-7BDC-4432-A3E1-F8E98DD2B4C6}" type="datetimeFigureOut">
               <a:rPr lang="zh-CN" altLang="en-US" smtClean="0"/>
               <a:t>2024/3/10</a:t>
             </a:fld>
@@ -265,7 +265,7 @@
           <p:cNvPr id="5" name="页脚占位符 4">
             <a:extLst>
               <a:ext uri="{FF2B5EF4-FFF2-40B4-BE49-F238E27FC236}">
-                <a16:creationId xmlns:a16="http://schemas.microsoft.com/office/drawing/2014/main" id="{158CC3D4-930C-5224-5430-91549BEBA5A7}"/>
+                <a16:creationId xmlns:a16="http://schemas.microsoft.com/office/drawing/2014/main" id="{FEE9B18D-70C3-F5D0-99A3-57619B9DE938}"/>
               </a:ext>
             </a:extLst>
           </p:cNvPr>
@@ -290,7 +290,7 @@
           <p:cNvPr id="6" name="灯片编号占位符 5">
             <a:extLst>
               <a:ext uri="{FF2B5EF4-FFF2-40B4-BE49-F238E27FC236}">
-                <a16:creationId xmlns:a16="http://schemas.microsoft.com/office/drawing/2014/main" id="{CF08FF07-315F-5A79-2125-EB8F57B90D17}"/>
+                <a16:creationId xmlns:a16="http://schemas.microsoft.com/office/drawing/2014/main" id="{4A43B531-F7B0-2F5D-CAEF-23049D405D6F}"/>
               </a:ext>
             </a:extLst>
           </p:cNvPr>
@@ -306,7 +306,7 @@
           <a:bodyPr/>
           <a:lstStyle/>
           <a:p>
-            <a:fld id="{565FE6FE-5B5E-42D4-B20E-8CB874F2107B}" type="slidenum">
+            <a:fld id="{6C2F3335-E268-41BE-96EE-E074FC81223F}" type="slidenum">
               <a:rPr lang="zh-CN" altLang="en-US" smtClean="0"/>
               <a:t>‹#›</a:t>
             </a:fld>
@@ -317,7 +317,7 @@
     </p:spTree>
     <p:extLst>
       <p:ext uri="{BB962C8B-B14F-4D97-AF65-F5344CB8AC3E}">
-        <p14:creationId xmlns:p14="http://schemas.microsoft.com/office/powerpoint/2010/main" val="2394951452"/>
+        <p14:creationId xmlns:p14="http://schemas.microsoft.com/office/powerpoint/2010/main" val="2768143333"/>
       </p:ext>
     </p:extLst>
   </p:cSld>
@@ -349,7 +349,7 @@
           <p:cNvPr id="2" name="标题 1">
             <a:extLst>
               <a:ext uri="{FF2B5EF4-FFF2-40B4-BE49-F238E27FC236}">
-                <a16:creationId xmlns:a16="http://schemas.microsoft.com/office/drawing/2014/main" id="{56DF46F0-89C4-9E5D-998E-997CBDA2ECA1}"/>
+                <a16:creationId xmlns:a16="http://schemas.microsoft.com/office/drawing/2014/main" id="{BFD4958B-E097-72FF-C4CB-EBA7A6180D99}"/>
               </a:ext>
             </a:extLst>
           </p:cNvPr>
@@ -377,7 +377,7 @@
           <p:cNvPr id="3" name="竖排文字占位符 2">
             <a:extLst>
               <a:ext uri="{FF2B5EF4-FFF2-40B4-BE49-F238E27FC236}">
-                <a16:creationId xmlns:a16="http://schemas.microsoft.com/office/drawing/2014/main" id="{80064769-474E-649E-4641-19BADC367614}"/>
+                <a16:creationId xmlns:a16="http://schemas.microsoft.com/office/drawing/2014/main" id="{E35B5C80-B40A-F4DD-5A06-2A4851E006B2}"/>
               </a:ext>
             </a:extLst>
           </p:cNvPr>
@@ -434,7 +434,7 @@
           <p:cNvPr id="4" name="日期占位符 3">
             <a:extLst>
               <a:ext uri="{FF2B5EF4-FFF2-40B4-BE49-F238E27FC236}">
-                <a16:creationId xmlns:a16="http://schemas.microsoft.com/office/drawing/2014/main" id="{3FA8EE1B-7CB5-63FE-5730-BE3FDBE9A672}"/>
+                <a16:creationId xmlns:a16="http://schemas.microsoft.com/office/drawing/2014/main" id="{4BD63C21-F547-72C8-7AB8-85C16CA005FE}"/>
               </a:ext>
             </a:extLst>
           </p:cNvPr>
@@ -450,7 +450,7 @@
           <a:bodyPr/>
           <a:lstStyle/>
           <a:p>
-            <a:fld id="{56A6686D-F15F-47D6-B9B6-FA349A052D9D}" type="datetimeFigureOut">
+            <a:fld id="{C5F669AE-7BDC-4432-A3E1-F8E98DD2B4C6}" type="datetimeFigureOut">
               <a:rPr lang="zh-CN" altLang="en-US" smtClean="0"/>
               <a:t>2024/3/10</a:t>
             </a:fld>
@@ -463,7 +463,7 @@
           <p:cNvPr id="5" name="页脚占位符 4">
             <a:extLst>
               <a:ext uri="{FF2B5EF4-FFF2-40B4-BE49-F238E27FC236}">
-                <a16:creationId xmlns:a16="http://schemas.microsoft.com/office/drawing/2014/main" id="{FD869BDF-514E-9D16-84C4-4992924EEA4D}"/>
+                <a16:creationId xmlns:a16="http://schemas.microsoft.com/office/drawing/2014/main" id="{6F383EBC-1C63-8CD3-013D-D0B123B42CB6}"/>
               </a:ext>
             </a:extLst>
           </p:cNvPr>
@@ -488,7 +488,7 @@
           <p:cNvPr id="6" name="灯片编号占位符 5">
             <a:extLst>
               <a:ext uri="{FF2B5EF4-FFF2-40B4-BE49-F238E27FC236}">
-                <a16:creationId xmlns:a16="http://schemas.microsoft.com/office/drawing/2014/main" id="{FF5AB7AA-26F1-2690-3801-F0B94FF417AB}"/>
+                <a16:creationId xmlns:a16="http://schemas.microsoft.com/office/drawing/2014/main" id="{2014F912-CF2C-3FA0-4485-2DD18576A37D}"/>
               </a:ext>
             </a:extLst>
           </p:cNvPr>
@@ -504,7 +504,7 @@
           <a:bodyPr/>
           <a:lstStyle/>
           <a:p>
-            <a:fld id="{565FE6FE-5B5E-42D4-B20E-8CB874F2107B}" type="slidenum">
+            <a:fld id="{6C2F3335-E268-41BE-96EE-E074FC81223F}" type="slidenum">
               <a:rPr lang="zh-CN" altLang="en-US" smtClean="0"/>
               <a:t>‹#›</a:t>
             </a:fld>
@@ -515,7 +515,7 @@
     </p:spTree>
     <p:extLst>
       <p:ext uri="{BB962C8B-B14F-4D97-AF65-F5344CB8AC3E}">
-        <p14:creationId xmlns:p14="http://schemas.microsoft.com/office/powerpoint/2010/main" val="3129776023"/>
+        <p14:creationId xmlns:p14="http://schemas.microsoft.com/office/powerpoint/2010/main" val="2315974312"/>
       </p:ext>
     </p:extLst>
   </p:cSld>
@@ -547,7 +547,7 @@
           <p:cNvPr id="2" name="竖排标题 1">
             <a:extLst>
               <a:ext uri="{FF2B5EF4-FFF2-40B4-BE49-F238E27FC236}">
-                <a16:creationId xmlns:a16="http://schemas.microsoft.com/office/drawing/2014/main" id="{9D3BE948-6629-94E3-1B9F-920C6E65EC5C}"/>
+                <a16:creationId xmlns:a16="http://schemas.microsoft.com/office/drawing/2014/main" id="{FB9F3CA6-7924-4018-E5D9-8921AB51705D}"/>
               </a:ext>
             </a:extLst>
           </p:cNvPr>
@@ -580,7 +580,7 @@
           <p:cNvPr id="3" name="竖排文字占位符 2">
             <a:extLst>
               <a:ext uri="{FF2B5EF4-FFF2-40B4-BE49-F238E27FC236}">
-                <a16:creationId xmlns:a16="http://schemas.microsoft.com/office/drawing/2014/main" id="{B02CE70A-01C4-7D6F-873A-E27D65FF6B89}"/>
+                <a16:creationId xmlns:a16="http://schemas.microsoft.com/office/drawing/2014/main" id="{C73395E2-2F14-F9C6-47B6-94AF3630EDA7}"/>
               </a:ext>
             </a:extLst>
           </p:cNvPr>
@@ -642,7 +642,7 @@
           <p:cNvPr id="4" name="日期占位符 3">
             <a:extLst>
               <a:ext uri="{FF2B5EF4-FFF2-40B4-BE49-F238E27FC236}">
-                <a16:creationId xmlns:a16="http://schemas.microsoft.com/office/drawing/2014/main" id="{4976AC8B-72E2-40CE-3EF1-3C8B549428E2}"/>
+                <a16:creationId xmlns:a16="http://schemas.microsoft.com/office/drawing/2014/main" id="{7BF550D6-5A54-ACE1-1A40-7F466A21B471}"/>
               </a:ext>
             </a:extLst>
           </p:cNvPr>
@@ -658,7 +658,7 @@
           <a:bodyPr/>
           <a:lstStyle/>
           <a:p>
-            <a:fld id="{56A6686D-F15F-47D6-B9B6-FA349A052D9D}" type="datetimeFigureOut">
+            <a:fld id="{C5F669AE-7BDC-4432-A3E1-F8E98DD2B4C6}" type="datetimeFigureOut">
               <a:rPr lang="zh-CN" altLang="en-US" smtClean="0"/>
               <a:t>2024/3/10</a:t>
             </a:fld>
@@ -671,7 +671,7 @@
           <p:cNvPr id="5" name="页脚占位符 4">
             <a:extLst>
               <a:ext uri="{FF2B5EF4-FFF2-40B4-BE49-F238E27FC236}">
-                <a16:creationId xmlns:a16="http://schemas.microsoft.com/office/drawing/2014/main" id="{71BB72F7-A6AA-5C1F-CD40-BB5D634A6B89}"/>
+                <a16:creationId xmlns:a16="http://schemas.microsoft.com/office/drawing/2014/main" id="{C7172253-E851-485E-F604-AAFAD388E7C8}"/>
               </a:ext>
             </a:extLst>
           </p:cNvPr>
@@ -696,7 +696,7 @@
           <p:cNvPr id="6" name="灯片编号占位符 5">
             <a:extLst>
               <a:ext uri="{FF2B5EF4-FFF2-40B4-BE49-F238E27FC236}">
-                <a16:creationId xmlns:a16="http://schemas.microsoft.com/office/drawing/2014/main" id="{F16EE0BC-0D28-2690-8667-34C6B7ABA5D6}"/>
+                <a16:creationId xmlns:a16="http://schemas.microsoft.com/office/drawing/2014/main" id="{94E9BA58-3A65-0459-B250-C39CC2B495C0}"/>
               </a:ext>
             </a:extLst>
           </p:cNvPr>
@@ -712,7 +712,7 @@
           <a:bodyPr/>
           <a:lstStyle/>
           <a:p>
-            <a:fld id="{565FE6FE-5B5E-42D4-B20E-8CB874F2107B}" type="slidenum">
+            <a:fld id="{6C2F3335-E268-41BE-96EE-E074FC81223F}" type="slidenum">
               <a:rPr lang="zh-CN" altLang="en-US" smtClean="0"/>
               <a:t>‹#›</a:t>
             </a:fld>
@@ -723,7 +723,7 @@
     </p:spTree>
     <p:extLst>
       <p:ext uri="{BB962C8B-B14F-4D97-AF65-F5344CB8AC3E}">
-        <p14:creationId xmlns:p14="http://schemas.microsoft.com/office/powerpoint/2010/main" val="4198270591"/>
+        <p14:creationId xmlns:p14="http://schemas.microsoft.com/office/powerpoint/2010/main" val="1365898898"/>
       </p:ext>
     </p:extLst>
   </p:cSld>
@@ -755,7 +755,7 @@
           <p:cNvPr id="2" name="标题 1">
             <a:extLst>
               <a:ext uri="{FF2B5EF4-FFF2-40B4-BE49-F238E27FC236}">
-                <a16:creationId xmlns:a16="http://schemas.microsoft.com/office/drawing/2014/main" id="{B14B52D5-9E12-9C45-416A-56CAE3E163A1}"/>
+                <a16:creationId xmlns:a16="http://schemas.microsoft.com/office/drawing/2014/main" id="{8AC67549-AF0C-F246-4B89-6297C3C2BEE4}"/>
               </a:ext>
             </a:extLst>
           </p:cNvPr>
@@ -783,7 +783,7 @@
           <p:cNvPr id="3" name="内容占位符 2">
             <a:extLst>
               <a:ext uri="{FF2B5EF4-FFF2-40B4-BE49-F238E27FC236}">
-                <a16:creationId xmlns:a16="http://schemas.microsoft.com/office/drawing/2014/main" id="{1D41D9D6-43D1-4432-B8E8-CDC6461499C0}"/>
+                <a16:creationId xmlns:a16="http://schemas.microsoft.com/office/drawing/2014/main" id="{6209D977-FBB3-8D32-D934-5F21E3B99CD3}"/>
               </a:ext>
             </a:extLst>
           </p:cNvPr>
@@ -840,7 +840,7 @@
           <p:cNvPr id="4" name="日期占位符 3">
             <a:extLst>
               <a:ext uri="{FF2B5EF4-FFF2-40B4-BE49-F238E27FC236}">
-                <a16:creationId xmlns:a16="http://schemas.microsoft.com/office/drawing/2014/main" id="{A5C8041A-A1B0-B134-9B4A-0232C78B6FD7}"/>
+                <a16:creationId xmlns:a16="http://schemas.microsoft.com/office/drawing/2014/main" id="{CFE190E0-A9EB-AE26-15BF-658EBBE07B87}"/>
               </a:ext>
             </a:extLst>
           </p:cNvPr>
@@ -856,7 +856,7 @@
           <a:bodyPr/>
           <a:lstStyle/>
           <a:p>
-            <a:fld id="{56A6686D-F15F-47D6-B9B6-FA349A052D9D}" type="datetimeFigureOut">
+            <a:fld id="{C5F669AE-7BDC-4432-A3E1-F8E98DD2B4C6}" type="datetimeFigureOut">
               <a:rPr lang="zh-CN" altLang="en-US" smtClean="0"/>
               <a:t>2024/3/10</a:t>
             </a:fld>
@@ -869,7 +869,7 @@
           <p:cNvPr id="5" name="页脚占位符 4">
             <a:extLst>
               <a:ext uri="{FF2B5EF4-FFF2-40B4-BE49-F238E27FC236}">
-                <a16:creationId xmlns:a16="http://schemas.microsoft.com/office/drawing/2014/main" id="{BEDCDE8E-7305-DD21-005A-2E0088ABDE52}"/>
+                <a16:creationId xmlns:a16="http://schemas.microsoft.com/office/drawing/2014/main" id="{E5EB4848-88BD-6A3F-D33E-BD1D4A55EE8B}"/>
               </a:ext>
             </a:extLst>
           </p:cNvPr>
@@ -894,7 +894,7 @@
           <p:cNvPr id="6" name="灯片编号占位符 5">
             <a:extLst>
               <a:ext uri="{FF2B5EF4-FFF2-40B4-BE49-F238E27FC236}">
-                <a16:creationId xmlns:a16="http://schemas.microsoft.com/office/drawing/2014/main" id="{3959B0DF-9439-C100-EDD3-B9ED829C5B18}"/>
+                <a16:creationId xmlns:a16="http://schemas.microsoft.com/office/drawing/2014/main" id="{BDA33757-ED72-2AFB-FEEA-0060CD28D8F8}"/>
               </a:ext>
             </a:extLst>
           </p:cNvPr>
@@ -910,7 +910,7 @@
           <a:bodyPr/>
           <a:lstStyle/>
           <a:p>
-            <a:fld id="{565FE6FE-5B5E-42D4-B20E-8CB874F2107B}" type="slidenum">
+            <a:fld id="{6C2F3335-E268-41BE-96EE-E074FC81223F}" type="slidenum">
               <a:rPr lang="zh-CN" altLang="en-US" smtClean="0"/>
               <a:t>‹#›</a:t>
             </a:fld>
@@ -921,7 +921,7 @@
     </p:spTree>
     <p:extLst>
       <p:ext uri="{BB962C8B-B14F-4D97-AF65-F5344CB8AC3E}">
-        <p14:creationId xmlns:p14="http://schemas.microsoft.com/office/powerpoint/2010/main" val="664756582"/>
+        <p14:creationId xmlns:p14="http://schemas.microsoft.com/office/powerpoint/2010/main" val="670501997"/>
       </p:ext>
     </p:extLst>
   </p:cSld>
@@ -953,7 +953,7 @@
           <p:cNvPr id="2" name="标题 1">
             <a:extLst>
               <a:ext uri="{FF2B5EF4-FFF2-40B4-BE49-F238E27FC236}">
-                <a16:creationId xmlns:a16="http://schemas.microsoft.com/office/drawing/2014/main" id="{02373702-EB34-8378-6AE7-82B27C704882}"/>
+                <a16:creationId xmlns:a16="http://schemas.microsoft.com/office/drawing/2014/main" id="{73598D6B-0A3A-32FC-87DB-E66BB4B5AB6E}"/>
               </a:ext>
             </a:extLst>
           </p:cNvPr>
@@ -990,7 +990,7 @@
           <p:cNvPr id="3" name="文本占位符 2">
             <a:extLst>
               <a:ext uri="{FF2B5EF4-FFF2-40B4-BE49-F238E27FC236}">
-                <a16:creationId xmlns:a16="http://schemas.microsoft.com/office/drawing/2014/main" id="{F51E4558-A7DB-67DE-373E-68E383813E26}"/>
+                <a16:creationId xmlns:a16="http://schemas.microsoft.com/office/drawing/2014/main" id="{5697C93F-C018-C5F5-6680-8853A7F5E689}"/>
               </a:ext>
             </a:extLst>
           </p:cNvPr>
@@ -1115,7 +1115,7 @@
           <p:cNvPr id="4" name="日期占位符 3">
             <a:extLst>
               <a:ext uri="{FF2B5EF4-FFF2-40B4-BE49-F238E27FC236}">
-                <a16:creationId xmlns:a16="http://schemas.microsoft.com/office/drawing/2014/main" id="{2B636E1A-CC4A-6A55-F8BA-0666E4C49583}"/>
+                <a16:creationId xmlns:a16="http://schemas.microsoft.com/office/drawing/2014/main" id="{5B241288-0EC7-4208-81F0-D4C7C6932531}"/>
               </a:ext>
             </a:extLst>
           </p:cNvPr>
@@ -1131,7 +1131,7 @@
           <a:bodyPr/>
           <a:lstStyle/>
           <a:p>
-            <a:fld id="{56A6686D-F15F-47D6-B9B6-FA349A052D9D}" type="datetimeFigureOut">
+            <a:fld id="{C5F669AE-7BDC-4432-A3E1-F8E98DD2B4C6}" type="datetimeFigureOut">
               <a:rPr lang="zh-CN" altLang="en-US" smtClean="0"/>
               <a:t>2024/3/10</a:t>
             </a:fld>
@@ -1144,7 +1144,7 @@
           <p:cNvPr id="5" name="页脚占位符 4">
             <a:extLst>
               <a:ext uri="{FF2B5EF4-FFF2-40B4-BE49-F238E27FC236}">
-                <a16:creationId xmlns:a16="http://schemas.microsoft.com/office/drawing/2014/main" id="{6E9CAAB0-51E4-E64E-72DA-8C1756424AA2}"/>
+                <a16:creationId xmlns:a16="http://schemas.microsoft.com/office/drawing/2014/main" id="{DA0286D8-498C-EC5A-F635-FC9F3B150FB1}"/>
               </a:ext>
             </a:extLst>
           </p:cNvPr>
@@ -1169,7 +1169,7 @@
           <p:cNvPr id="6" name="灯片编号占位符 5">
             <a:extLst>
               <a:ext uri="{FF2B5EF4-FFF2-40B4-BE49-F238E27FC236}">
-                <a16:creationId xmlns:a16="http://schemas.microsoft.com/office/drawing/2014/main" id="{820031BA-EF30-C9E4-51F5-70B7C2C92FB7}"/>
+                <a16:creationId xmlns:a16="http://schemas.microsoft.com/office/drawing/2014/main" id="{433491EF-E97F-CA02-74F3-420F1C0ED86E}"/>
               </a:ext>
             </a:extLst>
           </p:cNvPr>
@@ -1185,7 +1185,7 @@
           <a:bodyPr/>
           <a:lstStyle/>
           <a:p>
-            <a:fld id="{565FE6FE-5B5E-42D4-B20E-8CB874F2107B}" type="slidenum">
+            <a:fld id="{6C2F3335-E268-41BE-96EE-E074FC81223F}" type="slidenum">
               <a:rPr lang="zh-CN" altLang="en-US" smtClean="0"/>
               <a:t>‹#›</a:t>
             </a:fld>
@@ -1196,7 +1196,7 @@
     </p:spTree>
     <p:extLst>
       <p:ext uri="{BB962C8B-B14F-4D97-AF65-F5344CB8AC3E}">
-        <p14:creationId xmlns:p14="http://schemas.microsoft.com/office/powerpoint/2010/main" val="3802472673"/>
+        <p14:creationId xmlns:p14="http://schemas.microsoft.com/office/powerpoint/2010/main" val="2187319977"/>
       </p:ext>
     </p:extLst>
   </p:cSld>
@@ -1228,7 +1228,7 @@
           <p:cNvPr id="2" name="标题 1">
             <a:extLst>
               <a:ext uri="{FF2B5EF4-FFF2-40B4-BE49-F238E27FC236}">
-                <a16:creationId xmlns:a16="http://schemas.microsoft.com/office/drawing/2014/main" id="{1178C40A-6CA3-9D78-1509-315B7608806C}"/>
+                <a16:creationId xmlns:a16="http://schemas.microsoft.com/office/drawing/2014/main" id="{8DE5E5CC-2A75-3F57-8258-D4B89AB19339}"/>
               </a:ext>
             </a:extLst>
           </p:cNvPr>
@@ -1256,7 +1256,7 @@
           <p:cNvPr id="3" name="内容占位符 2">
             <a:extLst>
               <a:ext uri="{FF2B5EF4-FFF2-40B4-BE49-F238E27FC236}">
-                <a16:creationId xmlns:a16="http://schemas.microsoft.com/office/drawing/2014/main" id="{14289BC1-18E9-4E01-9DF5-D3EC1A5D1D76}"/>
+                <a16:creationId xmlns:a16="http://schemas.microsoft.com/office/drawing/2014/main" id="{D8D26BE2-79A1-EEB2-02E9-6E7B5DC09E58}"/>
               </a:ext>
             </a:extLst>
           </p:cNvPr>
@@ -1318,7 +1318,7 @@
           <p:cNvPr id="4" name="内容占位符 3">
             <a:extLst>
               <a:ext uri="{FF2B5EF4-FFF2-40B4-BE49-F238E27FC236}">
-                <a16:creationId xmlns:a16="http://schemas.microsoft.com/office/drawing/2014/main" id="{74893F68-0646-A4F2-C84E-4086F8EFC917}"/>
+                <a16:creationId xmlns:a16="http://schemas.microsoft.com/office/drawing/2014/main" id="{F9780558-AC4C-FA4D-A1B0-67C5AB75B07C}"/>
               </a:ext>
             </a:extLst>
           </p:cNvPr>
@@ -1380,7 +1380,7 @@
           <p:cNvPr id="5" name="日期占位符 4">
             <a:extLst>
               <a:ext uri="{FF2B5EF4-FFF2-40B4-BE49-F238E27FC236}">
-                <a16:creationId xmlns:a16="http://schemas.microsoft.com/office/drawing/2014/main" id="{45D3E115-ABF8-661D-4D53-6E700F9672C2}"/>
+                <a16:creationId xmlns:a16="http://schemas.microsoft.com/office/drawing/2014/main" id="{D2C37462-71D8-AE20-54DD-4EC8EA5BDB9A}"/>
               </a:ext>
             </a:extLst>
           </p:cNvPr>
@@ -1396,7 +1396,7 @@
           <a:bodyPr/>
           <a:lstStyle/>
           <a:p>
-            <a:fld id="{56A6686D-F15F-47D6-B9B6-FA349A052D9D}" type="datetimeFigureOut">
+            <a:fld id="{C5F669AE-7BDC-4432-A3E1-F8E98DD2B4C6}" type="datetimeFigureOut">
               <a:rPr lang="zh-CN" altLang="en-US" smtClean="0"/>
               <a:t>2024/3/10</a:t>
             </a:fld>
@@ -1409,7 +1409,7 @@
           <p:cNvPr id="6" name="页脚占位符 5">
             <a:extLst>
               <a:ext uri="{FF2B5EF4-FFF2-40B4-BE49-F238E27FC236}">
-                <a16:creationId xmlns:a16="http://schemas.microsoft.com/office/drawing/2014/main" id="{49064E00-B59A-30BA-5F07-26FE14A314FC}"/>
+                <a16:creationId xmlns:a16="http://schemas.microsoft.com/office/drawing/2014/main" id="{7D994F3E-9492-B464-452D-1ECC255B972D}"/>
               </a:ext>
             </a:extLst>
           </p:cNvPr>
@@ -1434,7 +1434,7 @@
           <p:cNvPr id="7" name="灯片编号占位符 6">
             <a:extLst>
               <a:ext uri="{FF2B5EF4-FFF2-40B4-BE49-F238E27FC236}">
-                <a16:creationId xmlns:a16="http://schemas.microsoft.com/office/drawing/2014/main" id="{B439BAC2-878D-3639-4EA2-83A75793EEBF}"/>
+                <a16:creationId xmlns:a16="http://schemas.microsoft.com/office/drawing/2014/main" id="{D1E258D6-A0DF-2BB1-721D-D894CEBDC5A1}"/>
               </a:ext>
             </a:extLst>
           </p:cNvPr>
@@ -1450,7 +1450,7 @@
           <a:bodyPr/>
           <a:lstStyle/>
           <a:p>
-            <a:fld id="{565FE6FE-5B5E-42D4-B20E-8CB874F2107B}" type="slidenum">
+            <a:fld id="{6C2F3335-E268-41BE-96EE-E074FC81223F}" type="slidenum">
               <a:rPr lang="zh-CN" altLang="en-US" smtClean="0"/>
               <a:t>‹#›</a:t>
             </a:fld>
@@ -1461,7 +1461,7 @@
     </p:spTree>
     <p:extLst>
       <p:ext uri="{BB962C8B-B14F-4D97-AF65-F5344CB8AC3E}">
-        <p14:creationId xmlns:p14="http://schemas.microsoft.com/office/powerpoint/2010/main" val="4078445063"/>
+        <p14:creationId xmlns:p14="http://schemas.microsoft.com/office/powerpoint/2010/main" val="2759794062"/>
       </p:ext>
     </p:extLst>
   </p:cSld>
@@ -1493,7 +1493,7 @@
           <p:cNvPr id="2" name="标题 1">
             <a:extLst>
               <a:ext uri="{FF2B5EF4-FFF2-40B4-BE49-F238E27FC236}">
-                <a16:creationId xmlns:a16="http://schemas.microsoft.com/office/drawing/2014/main" id="{B110CF0D-FCA9-F8F8-09C2-9472CA377E3F}"/>
+                <a16:creationId xmlns:a16="http://schemas.microsoft.com/office/drawing/2014/main" id="{F57EB426-3047-3CDC-2C21-9FCB63406F20}"/>
               </a:ext>
             </a:extLst>
           </p:cNvPr>
@@ -1526,7 +1526,7 @@
           <p:cNvPr id="3" name="文本占位符 2">
             <a:extLst>
               <a:ext uri="{FF2B5EF4-FFF2-40B4-BE49-F238E27FC236}">
-                <a16:creationId xmlns:a16="http://schemas.microsoft.com/office/drawing/2014/main" id="{E233E999-7A39-CC81-3B3E-1B1E61EC9C0F}"/>
+                <a16:creationId xmlns:a16="http://schemas.microsoft.com/office/drawing/2014/main" id="{E9FFA74A-6338-7478-D150-E8779A900F3A}"/>
               </a:ext>
             </a:extLst>
           </p:cNvPr>
@@ -1597,7 +1597,7 @@
           <p:cNvPr id="4" name="内容占位符 3">
             <a:extLst>
               <a:ext uri="{FF2B5EF4-FFF2-40B4-BE49-F238E27FC236}">
-                <a16:creationId xmlns:a16="http://schemas.microsoft.com/office/drawing/2014/main" id="{9BDBA3D5-37A3-2FAD-E3C3-CC4FAEB98B31}"/>
+                <a16:creationId xmlns:a16="http://schemas.microsoft.com/office/drawing/2014/main" id="{3DEF77A0-5EFD-8C22-93AE-27DCDB173AF6}"/>
               </a:ext>
             </a:extLst>
           </p:cNvPr>
@@ -1659,7 +1659,7 @@
           <p:cNvPr id="5" name="文本占位符 4">
             <a:extLst>
               <a:ext uri="{FF2B5EF4-FFF2-40B4-BE49-F238E27FC236}">
-                <a16:creationId xmlns:a16="http://schemas.microsoft.com/office/drawing/2014/main" id="{7319BD18-2BBF-293A-B37F-2ADF0FA55FA6}"/>
+                <a16:creationId xmlns:a16="http://schemas.microsoft.com/office/drawing/2014/main" id="{9385678E-DBA1-ED32-7E5A-EA3AD2EDEF15}"/>
               </a:ext>
             </a:extLst>
           </p:cNvPr>
@@ -1730,7 +1730,7 @@
           <p:cNvPr id="6" name="内容占位符 5">
             <a:extLst>
               <a:ext uri="{FF2B5EF4-FFF2-40B4-BE49-F238E27FC236}">
-                <a16:creationId xmlns:a16="http://schemas.microsoft.com/office/drawing/2014/main" id="{ED94ACB6-5490-42AC-440D-C729B514C4DB}"/>
+                <a16:creationId xmlns:a16="http://schemas.microsoft.com/office/drawing/2014/main" id="{85DE5F4D-574B-C4E8-AD5E-B32DA1240A56}"/>
               </a:ext>
             </a:extLst>
           </p:cNvPr>
@@ -1792,7 +1792,7 @@
           <p:cNvPr id="7" name="日期占位符 6">
             <a:extLst>
               <a:ext uri="{FF2B5EF4-FFF2-40B4-BE49-F238E27FC236}">
-                <a16:creationId xmlns:a16="http://schemas.microsoft.com/office/drawing/2014/main" id="{1B0CECCC-28F9-D5A6-ECAB-53D51A0A84F4}"/>
+                <a16:creationId xmlns:a16="http://schemas.microsoft.com/office/drawing/2014/main" id="{9B567124-72F9-FE32-8A72-52F5A547265D}"/>
               </a:ext>
             </a:extLst>
           </p:cNvPr>
@@ -1808,7 +1808,7 @@
           <a:bodyPr/>
           <a:lstStyle/>
           <a:p>
-            <a:fld id="{56A6686D-F15F-47D6-B9B6-FA349A052D9D}" type="datetimeFigureOut">
+            <a:fld id="{C5F669AE-7BDC-4432-A3E1-F8E98DD2B4C6}" type="datetimeFigureOut">
               <a:rPr lang="zh-CN" altLang="en-US" smtClean="0"/>
               <a:t>2024/3/10</a:t>
             </a:fld>
@@ -1821,7 +1821,7 @@
           <p:cNvPr id="8" name="页脚占位符 7">
             <a:extLst>
               <a:ext uri="{FF2B5EF4-FFF2-40B4-BE49-F238E27FC236}">
-                <a16:creationId xmlns:a16="http://schemas.microsoft.com/office/drawing/2014/main" id="{0B3649FF-ABE2-2CFF-D9E1-5A46A93A4535}"/>
+                <a16:creationId xmlns:a16="http://schemas.microsoft.com/office/drawing/2014/main" id="{DDDAEDD8-0B9C-9D0F-95F9-99462A9C11FC}"/>
               </a:ext>
             </a:extLst>
           </p:cNvPr>
@@ -1846,7 +1846,7 @@
           <p:cNvPr id="9" name="灯片编号占位符 8">
             <a:extLst>
               <a:ext uri="{FF2B5EF4-FFF2-40B4-BE49-F238E27FC236}">
-                <a16:creationId xmlns:a16="http://schemas.microsoft.com/office/drawing/2014/main" id="{1087D8FA-8A95-69F3-C6C5-60A2EAF69F28}"/>
+                <a16:creationId xmlns:a16="http://schemas.microsoft.com/office/drawing/2014/main" id="{7D807A3D-CE90-1AD5-9C99-3D00C45D2535}"/>
               </a:ext>
             </a:extLst>
           </p:cNvPr>
@@ -1862,7 +1862,7 @@
           <a:bodyPr/>
           <a:lstStyle/>
           <a:p>
-            <a:fld id="{565FE6FE-5B5E-42D4-B20E-8CB874F2107B}" type="slidenum">
+            <a:fld id="{6C2F3335-E268-41BE-96EE-E074FC81223F}" type="slidenum">
               <a:rPr lang="zh-CN" altLang="en-US" smtClean="0"/>
               <a:t>‹#›</a:t>
             </a:fld>
@@ -1873,7 +1873,7 @@
     </p:spTree>
     <p:extLst>
       <p:ext uri="{BB962C8B-B14F-4D97-AF65-F5344CB8AC3E}">
-        <p14:creationId xmlns:p14="http://schemas.microsoft.com/office/powerpoint/2010/main" val="2654988675"/>
+        <p14:creationId xmlns:p14="http://schemas.microsoft.com/office/powerpoint/2010/main" val="2831112004"/>
       </p:ext>
     </p:extLst>
   </p:cSld>
@@ -1905,7 +1905,7 @@
           <p:cNvPr id="2" name="标题 1">
             <a:extLst>
               <a:ext uri="{FF2B5EF4-FFF2-40B4-BE49-F238E27FC236}">
-                <a16:creationId xmlns:a16="http://schemas.microsoft.com/office/drawing/2014/main" id="{0B7CC8FD-8EAF-186E-3CE5-6D22D1D81B39}"/>
+                <a16:creationId xmlns:a16="http://schemas.microsoft.com/office/drawing/2014/main" id="{A8560120-C126-1458-75D8-760BBA542E07}"/>
               </a:ext>
             </a:extLst>
           </p:cNvPr>
@@ -1933,7 +1933,7 @@
           <p:cNvPr id="3" name="日期占位符 2">
             <a:extLst>
               <a:ext uri="{FF2B5EF4-FFF2-40B4-BE49-F238E27FC236}">
-                <a16:creationId xmlns:a16="http://schemas.microsoft.com/office/drawing/2014/main" id="{49A1DA91-5273-1F6A-F5E1-20A4B739D45F}"/>
+                <a16:creationId xmlns:a16="http://schemas.microsoft.com/office/drawing/2014/main" id="{6DA329F9-8045-0F92-F852-7C751949E24B}"/>
               </a:ext>
             </a:extLst>
           </p:cNvPr>
@@ -1949,7 +1949,7 @@
           <a:bodyPr/>
           <a:lstStyle/>
           <a:p>
-            <a:fld id="{56A6686D-F15F-47D6-B9B6-FA349A052D9D}" type="datetimeFigureOut">
+            <a:fld id="{C5F669AE-7BDC-4432-A3E1-F8E98DD2B4C6}" type="datetimeFigureOut">
               <a:rPr lang="zh-CN" altLang="en-US" smtClean="0"/>
               <a:t>2024/3/10</a:t>
             </a:fld>
@@ -1962,7 +1962,7 @@
           <p:cNvPr id="4" name="页脚占位符 3">
             <a:extLst>
               <a:ext uri="{FF2B5EF4-FFF2-40B4-BE49-F238E27FC236}">
-                <a16:creationId xmlns:a16="http://schemas.microsoft.com/office/drawing/2014/main" id="{4C3D732A-69E3-883E-C980-CA4CADCC4866}"/>
+                <a16:creationId xmlns:a16="http://schemas.microsoft.com/office/drawing/2014/main" id="{FCC5ADE0-4A55-F3C0-019E-3968B6211020}"/>
               </a:ext>
             </a:extLst>
           </p:cNvPr>
@@ -1987,7 +1987,7 @@
           <p:cNvPr id="5" name="灯片编号占位符 4">
             <a:extLst>
               <a:ext uri="{FF2B5EF4-FFF2-40B4-BE49-F238E27FC236}">
-                <a16:creationId xmlns:a16="http://schemas.microsoft.com/office/drawing/2014/main" id="{72D63CA0-AEC6-314A-9CB6-5CFA6CC8B652}"/>
+                <a16:creationId xmlns:a16="http://schemas.microsoft.com/office/drawing/2014/main" id="{27413EBE-ED94-8984-C3EB-77A22A27D406}"/>
               </a:ext>
             </a:extLst>
           </p:cNvPr>
@@ -2003,7 +2003,7 @@
           <a:bodyPr/>
           <a:lstStyle/>
           <a:p>
-            <a:fld id="{565FE6FE-5B5E-42D4-B20E-8CB874F2107B}" type="slidenum">
+            <a:fld id="{6C2F3335-E268-41BE-96EE-E074FC81223F}" type="slidenum">
               <a:rPr lang="zh-CN" altLang="en-US" smtClean="0"/>
               <a:t>‹#›</a:t>
             </a:fld>
@@ -2014,7 +2014,7 @@
     </p:spTree>
     <p:extLst>
       <p:ext uri="{BB962C8B-B14F-4D97-AF65-F5344CB8AC3E}">
-        <p14:creationId xmlns:p14="http://schemas.microsoft.com/office/powerpoint/2010/main" val="3835103384"/>
+        <p14:creationId xmlns:p14="http://schemas.microsoft.com/office/powerpoint/2010/main" val="1661208945"/>
       </p:ext>
     </p:extLst>
   </p:cSld>
@@ -2046,7 +2046,7 @@
           <p:cNvPr id="2" name="日期占位符 1">
             <a:extLst>
               <a:ext uri="{FF2B5EF4-FFF2-40B4-BE49-F238E27FC236}">
-                <a16:creationId xmlns:a16="http://schemas.microsoft.com/office/drawing/2014/main" id="{493C225D-72AF-7EDE-F5A7-5C9262DE655B}"/>
+                <a16:creationId xmlns:a16="http://schemas.microsoft.com/office/drawing/2014/main" id="{2A561CD5-8053-6BAA-FFBB-3E159F54B0CF}"/>
               </a:ext>
             </a:extLst>
           </p:cNvPr>
@@ -2062,7 +2062,7 @@
           <a:bodyPr/>
           <a:lstStyle/>
           <a:p>
-            <a:fld id="{56A6686D-F15F-47D6-B9B6-FA349A052D9D}" type="datetimeFigureOut">
+            <a:fld id="{C5F669AE-7BDC-4432-A3E1-F8E98DD2B4C6}" type="datetimeFigureOut">
               <a:rPr lang="zh-CN" altLang="en-US" smtClean="0"/>
               <a:t>2024/3/10</a:t>
             </a:fld>
@@ -2075,7 +2075,7 @@
           <p:cNvPr id="3" name="页脚占位符 2">
             <a:extLst>
               <a:ext uri="{FF2B5EF4-FFF2-40B4-BE49-F238E27FC236}">
-                <a16:creationId xmlns:a16="http://schemas.microsoft.com/office/drawing/2014/main" id="{E8AEDE87-0A46-7A45-6C2A-9DE1EE883487}"/>
+                <a16:creationId xmlns:a16="http://schemas.microsoft.com/office/drawing/2014/main" id="{A192DB7C-CE86-55DA-017E-058EF0D81DCE}"/>
               </a:ext>
             </a:extLst>
           </p:cNvPr>
@@ -2100,7 +2100,7 @@
           <p:cNvPr id="4" name="灯片编号占位符 3">
             <a:extLst>
               <a:ext uri="{FF2B5EF4-FFF2-40B4-BE49-F238E27FC236}">
-                <a16:creationId xmlns:a16="http://schemas.microsoft.com/office/drawing/2014/main" id="{4CB564C0-26F0-C1B7-67D2-BEE83D2581E9}"/>
+                <a16:creationId xmlns:a16="http://schemas.microsoft.com/office/drawing/2014/main" id="{4767A450-DA00-BFF7-B7C3-E06A8ACDFA07}"/>
               </a:ext>
             </a:extLst>
           </p:cNvPr>
@@ -2116,7 +2116,7 @@
           <a:bodyPr/>
           <a:lstStyle/>
           <a:p>
-            <a:fld id="{565FE6FE-5B5E-42D4-B20E-8CB874F2107B}" type="slidenum">
+            <a:fld id="{6C2F3335-E268-41BE-96EE-E074FC81223F}" type="slidenum">
               <a:rPr lang="zh-CN" altLang="en-US" smtClean="0"/>
               <a:t>‹#›</a:t>
             </a:fld>
@@ -2127,7 +2127,7 @@
     </p:spTree>
     <p:extLst>
       <p:ext uri="{BB962C8B-B14F-4D97-AF65-F5344CB8AC3E}">
-        <p14:creationId xmlns:p14="http://schemas.microsoft.com/office/powerpoint/2010/main" val="1208832965"/>
+        <p14:creationId xmlns:p14="http://schemas.microsoft.com/office/powerpoint/2010/main" val="1657797917"/>
       </p:ext>
     </p:extLst>
   </p:cSld>
@@ -2159,7 +2159,7 @@
           <p:cNvPr id="2" name="标题 1">
             <a:extLst>
               <a:ext uri="{FF2B5EF4-FFF2-40B4-BE49-F238E27FC236}">
-                <a16:creationId xmlns:a16="http://schemas.microsoft.com/office/drawing/2014/main" id="{CAD8BBE0-B322-902C-02C2-755BB54B4B33}"/>
+                <a16:creationId xmlns:a16="http://schemas.microsoft.com/office/drawing/2014/main" id="{E497F8FD-47E4-01D8-AC1D-E6DF84BAFB48}"/>
               </a:ext>
             </a:extLst>
           </p:cNvPr>
@@ -2196,7 +2196,7 @@
           <p:cNvPr id="3" name="内容占位符 2">
             <a:extLst>
               <a:ext uri="{FF2B5EF4-FFF2-40B4-BE49-F238E27FC236}">
-                <a16:creationId xmlns:a16="http://schemas.microsoft.com/office/drawing/2014/main" id="{00B22BE1-B65B-97CC-45F3-1A72A91D3E5B}"/>
+                <a16:creationId xmlns:a16="http://schemas.microsoft.com/office/drawing/2014/main" id="{17B6F720-677C-32E6-68A4-2A0199E80EB7}"/>
               </a:ext>
             </a:extLst>
           </p:cNvPr>
@@ -2286,7 +2286,7 @@
           <p:cNvPr id="4" name="文本占位符 3">
             <a:extLst>
               <a:ext uri="{FF2B5EF4-FFF2-40B4-BE49-F238E27FC236}">
-                <a16:creationId xmlns:a16="http://schemas.microsoft.com/office/drawing/2014/main" id="{E62FBA69-FBD7-B4F1-08F4-FD9A53F12D70}"/>
+                <a16:creationId xmlns:a16="http://schemas.microsoft.com/office/drawing/2014/main" id="{D5871313-618B-AF26-13A8-DCDA5E2C48C4}"/>
               </a:ext>
             </a:extLst>
           </p:cNvPr>
@@ -2357,7 +2357,7 @@
           <p:cNvPr id="5" name="日期占位符 4">
             <a:extLst>
               <a:ext uri="{FF2B5EF4-FFF2-40B4-BE49-F238E27FC236}">
-                <a16:creationId xmlns:a16="http://schemas.microsoft.com/office/drawing/2014/main" id="{7C018168-1F93-9785-DCE8-5C9108609E6C}"/>
+                <a16:creationId xmlns:a16="http://schemas.microsoft.com/office/drawing/2014/main" id="{C4D9FD4F-1FCC-6448-2C18-1960C6261761}"/>
               </a:ext>
             </a:extLst>
           </p:cNvPr>
@@ -2373,7 +2373,7 @@
           <a:bodyPr/>
           <a:lstStyle/>
           <a:p>
-            <a:fld id="{56A6686D-F15F-47D6-B9B6-FA349A052D9D}" type="datetimeFigureOut">
+            <a:fld id="{C5F669AE-7BDC-4432-A3E1-F8E98DD2B4C6}" type="datetimeFigureOut">
               <a:rPr lang="zh-CN" altLang="en-US" smtClean="0"/>
               <a:t>2024/3/10</a:t>
             </a:fld>
@@ -2386,7 +2386,7 @@
           <p:cNvPr id="6" name="页脚占位符 5">
             <a:extLst>
               <a:ext uri="{FF2B5EF4-FFF2-40B4-BE49-F238E27FC236}">
-                <a16:creationId xmlns:a16="http://schemas.microsoft.com/office/drawing/2014/main" id="{ADFB2C43-0FCB-BD31-0810-D8DC6D85C403}"/>
+                <a16:creationId xmlns:a16="http://schemas.microsoft.com/office/drawing/2014/main" id="{EB346D55-B053-2EB8-5DE9-C0ED7226F71B}"/>
               </a:ext>
             </a:extLst>
           </p:cNvPr>
@@ -2411,7 +2411,7 @@
           <p:cNvPr id="7" name="灯片编号占位符 6">
             <a:extLst>
               <a:ext uri="{FF2B5EF4-FFF2-40B4-BE49-F238E27FC236}">
-                <a16:creationId xmlns:a16="http://schemas.microsoft.com/office/drawing/2014/main" id="{DEBD945A-1BA2-2D9C-DC32-E6D1383F0515}"/>
+                <a16:creationId xmlns:a16="http://schemas.microsoft.com/office/drawing/2014/main" id="{EFA0FFA0-61F9-AF3A-1306-F5DF19DC0F09}"/>
               </a:ext>
             </a:extLst>
           </p:cNvPr>
@@ -2427,7 +2427,7 @@
           <a:bodyPr/>
           <a:lstStyle/>
           <a:p>
-            <a:fld id="{565FE6FE-5B5E-42D4-B20E-8CB874F2107B}" type="slidenum">
+            <a:fld id="{6C2F3335-E268-41BE-96EE-E074FC81223F}" type="slidenum">
               <a:rPr lang="zh-CN" altLang="en-US" smtClean="0"/>
               <a:t>‹#›</a:t>
             </a:fld>
@@ -2438,7 +2438,7 @@
     </p:spTree>
     <p:extLst>
       <p:ext uri="{BB962C8B-B14F-4D97-AF65-F5344CB8AC3E}">
-        <p14:creationId xmlns:p14="http://schemas.microsoft.com/office/powerpoint/2010/main" val="209964478"/>
+        <p14:creationId xmlns:p14="http://schemas.microsoft.com/office/powerpoint/2010/main" val="2386593570"/>
       </p:ext>
     </p:extLst>
   </p:cSld>
@@ -2470,7 +2470,7 @@
           <p:cNvPr id="2" name="标题 1">
             <a:extLst>
               <a:ext uri="{FF2B5EF4-FFF2-40B4-BE49-F238E27FC236}">
-                <a16:creationId xmlns:a16="http://schemas.microsoft.com/office/drawing/2014/main" id="{660088CB-668F-0C9A-6039-6BE40F37AF20}"/>
+                <a16:creationId xmlns:a16="http://schemas.microsoft.com/office/drawing/2014/main" id="{E7D60E83-BBFA-19C5-1F54-28E2591C85A2}"/>
               </a:ext>
             </a:extLst>
           </p:cNvPr>
@@ -2507,7 +2507,7 @@
           <p:cNvPr id="3" name="图片占位符 2">
             <a:extLst>
               <a:ext uri="{FF2B5EF4-FFF2-40B4-BE49-F238E27FC236}">
-                <a16:creationId xmlns:a16="http://schemas.microsoft.com/office/drawing/2014/main" id="{C49FDF14-52B1-0673-3E51-92E8B3A41A3B}"/>
+                <a16:creationId xmlns:a16="http://schemas.microsoft.com/office/drawing/2014/main" id="{6898641D-B372-D879-1CC3-C944B1BA2582}"/>
               </a:ext>
             </a:extLst>
           </p:cNvPr>
@@ -2574,7 +2574,7 @@
           <p:cNvPr id="4" name="文本占位符 3">
             <a:extLst>
               <a:ext uri="{FF2B5EF4-FFF2-40B4-BE49-F238E27FC236}">
-                <a16:creationId xmlns:a16="http://schemas.microsoft.com/office/drawing/2014/main" id="{8BD7C3F1-D53A-D93C-C945-864FCC22B827}"/>
+                <a16:creationId xmlns:a16="http://schemas.microsoft.com/office/drawing/2014/main" id="{B27F7561-06BE-8893-5831-5A18A8838660}"/>
               </a:ext>
             </a:extLst>
           </p:cNvPr>
@@ -2645,7 +2645,7 @@
           <p:cNvPr id="5" name="日期占位符 4">
             <a:extLst>
               <a:ext uri="{FF2B5EF4-FFF2-40B4-BE49-F238E27FC236}">
-                <a16:creationId xmlns:a16="http://schemas.microsoft.com/office/drawing/2014/main" id="{83FA881F-8EC1-3AAB-43ED-F70EFB26B9F3}"/>
+                <a16:creationId xmlns:a16="http://schemas.microsoft.com/office/drawing/2014/main" id="{EAFC0113-E728-4F35-C244-BFE0CD88E4B5}"/>
               </a:ext>
             </a:extLst>
           </p:cNvPr>
@@ -2661,7 +2661,7 @@
           <a:bodyPr/>
           <a:lstStyle/>
           <a:p>
-            <a:fld id="{56A6686D-F15F-47D6-B9B6-FA349A052D9D}" type="datetimeFigureOut">
+            <a:fld id="{C5F669AE-7BDC-4432-A3E1-F8E98DD2B4C6}" type="datetimeFigureOut">
               <a:rPr lang="zh-CN" altLang="en-US" smtClean="0"/>
               <a:t>2024/3/10</a:t>
             </a:fld>
@@ -2674,7 +2674,7 @@
           <p:cNvPr id="6" name="页脚占位符 5">
             <a:extLst>
               <a:ext uri="{FF2B5EF4-FFF2-40B4-BE49-F238E27FC236}">
-                <a16:creationId xmlns:a16="http://schemas.microsoft.com/office/drawing/2014/main" id="{E0705B27-265A-1F0B-BFDE-5EB7117AFBBB}"/>
+                <a16:creationId xmlns:a16="http://schemas.microsoft.com/office/drawing/2014/main" id="{691C0C26-99D4-3262-DD35-35270E241FC7}"/>
               </a:ext>
             </a:extLst>
           </p:cNvPr>
@@ -2699,7 +2699,7 @@
           <p:cNvPr id="7" name="灯片编号占位符 6">
             <a:extLst>
               <a:ext uri="{FF2B5EF4-FFF2-40B4-BE49-F238E27FC236}">
-                <a16:creationId xmlns:a16="http://schemas.microsoft.com/office/drawing/2014/main" id="{E1D877E4-FBB6-7EE2-B032-1047358676A2}"/>
+                <a16:creationId xmlns:a16="http://schemas.microsoft.com/office/drawing/2014/main" id="{B89F7CA9-8F3E-6619-AEEA-A67305E89FAC}"/>
               </a:ext>
             </a:extLst>
           </p:cNvPr>
@@ -2715,7 +2715,7 @@
           <a:bodyPr/>
           <a:lstStyle/>
           <a:p>
-            <a:fld id="{565FE6FE-5B5E-42D4-B20E-8CB874F2107B}" type="slidenum">
+            <a:fld id="{6C2F3335-E268-41BE-96EE-E074FC81223F}" type="slidenum">
               <a:rPr lang="zh-CN" altLang="en-US" smtClean="0"/>
               <a:t>‹#›</a:t>
             </a:fld>
@@ -2726,7 +2726,7 @@
     </p:spTree>
     <p:extLst>
       <p:ext uri="{BB962C8B-B14F-4D97-AF65-F5344CB8AC3E}">
-        <p14:creationId xmlns:p14="http://schemas.microsoft.com/office/powerpoint/2010/main" val="2228384595"/>
+        <p14:creationId xmlns:p14="http://schemas.microsoft.com/office/powerpoint/2010/main" val="512051735"/>
       </p:ext>
     </p:extLst>
   </p:cSld>
@@ -2763,7 +2763,7 @@
           <p:cNvPr id="2" name="标题占位符 1">
             <a:extLst>
               <a:ext uri="{FF2B5EF4-FFF2-40B4-BE49-F238E27FC236}">
-                <a16:creationId xmlns:a16="http://schemas.microsoft.com/office/drawing/2014/main" id="{974F2F7B-8B3D-F5DA-15AF-31166C156598}"/>
+                <a16:creationId xmlns:a16="http://schemas.microsoft.com/office/drawing/2014/main" id="{E21A6FC6-3320-D9B5-F742-4532F34F3F81}"/>
               </a:ext>
             </a:extLst>
           </p:cNvPr>
@@ -2801,7 +2801,7 @@
           <p:cNvPr id="3" name="文本占位符 2">
             <a:extLst>
               <a:ext uri="{FF2B5EF4-FFF2-40B4-BE49-F238E27FC236}">
-                <a16:creationId xmlns:a16="http://schemas.microsoft.com/office/drawing/2014/main" id="{39EA0E03-AA1A-3A18-069F-8A36E65015A2}"/>
+                <a16:creationId xmlns:a16="http://schemas.microsoft.com/office/drawing/2014/main" id="{8FB441DB-7434-F6FC-3BB3-6ACFC43BBE9C}"/>
               </a:ext>
             </a:extLst>
           </p:cNvPr>
@@ -2868,7 +2868,7 @@
           <p:cNvPr id="4" name="日期占位符 3">
             <a:extLst>
               <a:ext uri="{FF2B5EF4-FFF2-40B4-BE49-F238E27FC236}">
-                <a16:creationId xmlns:a16="http://schemas.microsoft.com/office/drawing/2014/main" id="{4FC80AC4-830D-08CA-1361-3914B4D61C30}"/>
+                <a16:creationId xmlns:a16="http://schemas.microsoft.com/office/drawing/2014/main" id="{22879891-4B18-7DDF-00E4-6DBA9504A016}"/>
               </a:ext>
             </a:extLst>
           </p:cNvPr>
@@ -2902,7 +2902,7 @@
             </a:lvl1pPr>
           </a:lstStyle>
           <a:p>
-            <a:fld id="{56A6686D-F15F-47D6-B9B6-FA349A052D9D}" type="datetimeFigureOut">
+            <a:fld id="{C5F669AE-7BDC-4432-A3E1-F8E98DD2B4C6}" type="datetimeFigureOut">
               <a:rPr lang="zh-CN" altLang="en-US" smtClean="0"/>
               <a:t>2024/3/10</a:t>
             </a:fld>
@@ -2915,7 +2915,7 @@
           <p:cNvPr id="5" name="页脚占位符 4">
             <a:extLst>
               <a:ext uri="{FF2B5EF4-FFF2-40B4-BE49-F238E27FC236}">
-                <a16:creationId xmlns:a16="http://schemas.microsoft.com/office/drawing/2014/main" id="{191F4ACC-B736-B347-78EF-107F6B06CD8F}"/>
+                <a16:creationId xmlns:a16="http://schemas.microsoft.com/office/drawing/2014/main" id="{4DDC7F5E-0FF5-2D88-6757-0E0DEAD516D4}"/>
               </a:ext>
             </a:extLst>
           </p:cNvPr>
@@ -2958,7 +2958,7 @@
           <p:cNvPr id="6" name="灯片编号占位符 5">
             <a:extLst>
               <a:ext uri="{FF2B5EF4-FFF2-40B4-BE49-F238E27FC236}">
-                <a16:creationId xmlns:a16="http://schemas.microsoft.com/office/drawing/2014/main" id="{93DA7EC7-A650-E189-FC9D-6DA63904906E}"/>
+                <a16:creationId xmlns:a16="http://schemas.microsoft.com/office/drawing/2014/main" id="{08E84F80-8D0D-DE2D-E001-06B3280D4871}"/>
               </a:ext>
             </a:extLst>
           </p:cNvPr>
@@ -2992,7 +2992,7 @@
             </a:lvl1pPr>
           </a:lstStyle>
           <a:p>
-            <a:fld id="{565FE6FE-5B5E-42D4-B20E-8CB874F2107B}" type="slidenum">
+            <a:fld id="{6C2F3335-E268-41BE-96EE-E074FC81223F}" type="slidenum">
               <a:rPr lang="zh-CN" altLang="en-US" smtClean="0"/>
               <a:t>‹#›</a:t>
             </a:fld>
@@ -3003,7 +3003,7 @@
     </p:spTree>
     <p:extLst>
       <p:ext uri="{BB962C8B-B14F-4D97-AF65-F5344CB8AC3E}">
-        <p14:creationId xmlns:p14="http://schemas.microsoft.com/office/powerpoint/2010/main" val="2758832043"/>
+        <p14:creationId xmlns:p14="http://schemas.microsoft.com/office/powerpoint/2010/main" val="1359259260"/>
       </p:ext>
     </p:extLst>
   </p:cSld>
@@ -3323,7 +3323,7 @@
       </p:grpSpPr>
       <p:pic>
         <p:nvPicPr>
-          <p:cNvPr id="233474" name="Picture 2" descr="227"/>
+          <p:cNvPr id="234498" name="Picture 2" descr="228"/>
           <p:cNvPicPr>
             <a:picLocks noChangeAspect="1" noChangeArrowheads="1"/>
           </p:cNvPicPr>
@@ -3377,7 +3377,7 @@
       </p:pic>
       <p:pic>
         <p:nvPicPr>
-          <p:cNvPr id="234499" name="Picture 3" descr="227-2"/>
+          <p:cNvPr id="235523" name="Picture 3" descr="228-2"/>
           <p:cNvPicPr>
             <a:picLocks noChangeAspect="1" noChangeArrowheads="1"/>
           </p:cNvPicPr>
@@ -3478,7 +3478,7 @@
                                           </p:stCondLst>
                                         </p:cTn>
                                         <p:tgtEl>
-                                          <p:spTgt spid="234499"/>
+                                          <p:spTgt spid="235523"/>
                                         </p:tgtEl>
                                         <p:attrNameLst>
                                           <p:attrName>style.visibility</p:attrName>
@@ -3492,7 +3492,7 @@
                                       <p:cBhvr>
                                         <p:cTn id="7" dur="500"/>
                                         <p:tgtEl>
-                                          <p:spTgt spid="234499"/>
+                                          <p:spTgt spid="235523"/>
                                         </p:tgtEl>
                                       </p:cBhvr>
                                     </p:animEffect>
